--- a/NNabst.pptx
+++ b/NNabst.pptx
@@ -234,7 +234,7 @@
           <a:p>
             <a:fld id="{EF33BC53-B6A8-2B47-97F7-1E6257048008}" type="datetimeFigureOut">
               <a:rPr kumimoji="1" lang="ja-JP" altLang="en-US" smtClean="0"/>
-              <a:t>2019/5/12</a:t>
+              <a:t>2019/5/13</a:t>
             </a:fld>
             <a:endParaRPr kumimoji="1" lang="ja-JP" altLang="en-US"/>
           </a:p>
@@ -400,7 +400,7 @@
           <a:p>
             <a:fld id="{35CE4F15-F633-F440-A372-DDE58A8E0CA2}" type="datetimeFigureOut">
               <a:rPr kumimoji="1" lang="ja-JP" altLang="en-US" smtClean="0"/>
-              <a:t>2019/5/12</a:t>
+              <a:t>2019/5/13</a:t>
             </a:fld>
             <a:endParaRPr kumimoji="1" lang="ja-JP" altLang="en-US"/>
           </a:p>
@@ -960,7 +960,7 @@
             <a:pPr algn="ctr" eaLnBrk="1" latinLnBrk="0" hangingPunct="1"/>
             <a:fld id="{9E964DCD-B0D8-2845-99F3-B6FE69C4EDAE}" type="datetime1">
               <a:rPr lang="ja-JP" altLang="en-US" smtClean="0"/>
-              <a:t>2019/5/12</a:t>
+              <a:t>2019/5/13</a:t>
             </a:fld>
             <a:endParaRPr lang="en-US" sz="2000" dirty="0">
               <a:solidFill>
@@ -1198,7 +1198,7 @@
             <a:pPr eaLnBrk="1" latinLnBrk="0" hangingPunct="1"/>
             <a:fld id="{DBEED973-0995-6C40-8CF9-2C139CA52445}" type="datetime1">
               <a:rPr lang="ja-JP" altLang="en-US" smtClean="0"/>
-              <a:t>2019/5/12</a:t>
+              <a:t>2019/5/13</a:t>
             </a:fld>
             <a:endParaRPr lang="en-US"/>
           </a:p>
@@ -1417,7 +1417,7 @@
             <a:pPr eaLnBrk="1" latinLnBrk="0" hangingPunct="1"/>
             <a:fld id="{AD14380D-BA94-654B-A6AD-6673DF364B8D}" type="datetime1">
               <a:rPr lang="ja-JP" altLang="en-US" smtClean="0"/>
-              <a:t>2019/5/12</a:t>
+              <a:t>2019/5/13</a:t>
             </a:fld>
             <a:endParaRPr lang="en-US" dirty="0"/>
           </a:p>
@@ -1682,7 +1682,7 @@
             <a:pPr eaLnBrk="1" latinLnBrk="0" hangingPunct="1"/>
             <a:fld id="{1865F57B-DF44-DA4C-BB35-BD719F6EA415}" type="datetime1">
               <a:rPr lang="ja-JP" altLang="en-US" smtClean="0"/>
-              <a:t>2019/5/12</a:t>
+              <a:t>2019/5/13</a:t>
             </a:fld>
             <a:endParaRPr lang="en-US" dirty="0"/>
           </a:p>
@@ -2136,7 +2136,7 @@
             <a:pPr eaLnBrk="1" latinLnBrk="0" hangingPunct="1"/>
             <a:fld id="{6EF159E8-C10B-514C-9785-B52080ACDFA9}" type="datetime1">
               <a:rPr lang="ja-JP" altLang="en-US" smtClean="0"/>
-              <a:t>2019/5/12</a:t>
+              <a:t>2019/5/13</a:t>
             </a:fld>
             <a:endParaRPr lang="en-US"/>
           </a:p>
@@ -2449,7 +2449,7 @@
             <a:pPr eaLnBrk="1" latinLnBrk="0" hangingPunct="1"/>
             <a:fld id="{16E4CBB1-ACA5-1142-A70D-D519A28A5712}" type="datetime1">
               <a:rPr lang="ja-JP" altLang="en-US" smtClean="0"/>
-              <a:t>2019/5/12</a:t>
+              <a:t>2019/5/13</a:t>
             </a:fld>
             <a:endParaRPr lang="en-US"/>
           </a:p>
@@ -2752,7 +2752,7 @@
             <a:pPr eaLnBrk="1" latinLnBrk="0" hangingPunct="1"/>
             <a:fld id="{2BB73EB7-16E6-7F4A-A824-B07E2AA3FD58}" type="datetime1">
               <a:rPr lang="ja-JP" altLang="en-US" smtClean="0"/>
-              <a:t>2019/5/12</a:t>
+              <a:t>2019/5/13</a:t>
             </a:fld>
             <a:endParaRPr lang="en-US"/>
           </a:p>
@@ -2950,7 +2950,7 @@
             <a:pPr eaLnBrk="1" latinLnBrk="0" hangingPunct="1"/>
             <a:fld id="{1B114E2C-BCDA-BD4E-B941-561643DECA60}" type="datetime1">
               <a:rPr lang="ja-JP" altLang="en-US" smtClean="0"/>
-              <a:t>2019/5/12</a:t>
+              <a:t>2019/5/13</a:t>
             </a:fld>
             <a:endParaRPr lang="en-US"/>
           </a:p>
@@ -3054,7 +3054,7 @@
             <a:pPr eaLnBrk="1" latinLnBrk="0" hangingPunct="1"/>
             <a:fld id="{7C6ED18E-9190-E14D-A6DA-6D0D41928C93}" type="datetime1">
               <a:rPr lang="ja-JP" altLang="en-US" smtClean="0"/>
-              <a:t>2019/5/12</a:t>
+              <a:t>2019/5/13</a:t>
             </a:fld>
             <a:endParaRPr lang="en-US"/>
           </a:p>
@@ -3196,7 +3196,7 @@
             <a:pPr eaLnBrk="1" latinLnBrk="0" hangingPunct="1"/>
             <a:fld id="{281CEA2D-2375-3145-9D2A-79B04F62C6D7}" type="datetime1">
               <a:rPr lang="ja-JP" altLang="en-US" smtClean="0"/>
-              <a:t>2019/5/12</a:t>
+              <a:t>2019/5/13</a:t>
             </a:fld>
             <a:endParaRPr lang="en-US"/>
           </a:p>
@@ -3752,7 +3752,7 @@
             <a:pPr eaLnBrk="1" latinLnBrk="0" hangingPunct="1"/>
             <a:fld id="{9AB10EB2-11CA-EA4B-9999-8C292E4D3DD5}" type="datetime1">
               <a:rPr lang="ja-JP" altLang="en-US" smtClean="0"/>
-              <a:t>2019/5/12</a:t>
+              <a:t>2019/5/13</a:t>
             </a:fld>
             <a:endParaRPr lang="en-US"/>
           </a:p>
@@ -4048,7 +4048,7 @@
             <a:pPr eaLnBrk="1" latinLnBrk="0" hangingPunct="1"/>
             <a:fld id="{02064053-C213-EA4C-9348-227E2A750091}" type="datetime1">
               <a:rPr lang="ja-JP" altLang="en-US" smtClean="0"/>
-              <a:t>2019/5/12</a:t>
+              <a:t>2019/5/13</a:t>
             </a:fld>
             <a:endParaRPr lang="en-US" sz="1400" dirty="0">
               <a:solidFill>
@@ -4864,7 +4864,7 @@
           <a:graphicData uri="http://schemas.openxmlformats.org/presentationml/2006/ole">
             <mc:AlternateContent xmlns:mc="http://schemas.openxmlformats.org/markup-compatibility/2006">
               <mc:Choice xmlns:v="urn:schemas-microsoft-com:vml" Requires="v">
-                <p:oleObj spid="_x0000_s2056" name="文書" r:id="rId3" imgW="5397500" imgH="508000" progId="Word.Document.12">
+                <p:oleObj spid="_x0000_s2058" name="文書" r:id="rId3" imgW="5397500" imgH="508000" progId="Word.Document.12">
                   <p:embed/>
                 </p:oleObj>
               </mc:Choice>
@@ -6187,7 +6187,7 @@
           <a:graphicData uri="http://schemas.openxmlformats.org/presentationml/2006/ole">
             <mc:AlternateContent xmlns:mc="http://schemas.openxmlformats.org/markup-compatibility/2006">
               <mc:Choice xmlns:v="urn:schemas-microsoft-com:vml" Requires="v">
-                <p:oleObj spid="_x0000_s3079" name="文書" r:id="rId3" imgW="5397500" imgH="508000" progId="Word.Document.12">
+                <p:oleObj spid="_x0000_s3081" name="文書" r:id="rId3" imgW="5397500" imgH="508000" progId="Word.Document.12">
                   <p:embed/>
                 </p:oleObj>
               </mc:Choice>
@@ -6816,7 +6816,7 @@
           <a:graphicData uri="http://schemas.openxmlformats.org/presentationml/2006/ole">
             <mc:AlternateContent xmlns:mc="http://schemas.openxmlformats.org/markup-compatibility/2006">
               <mc:Choice xmlns:v="urn:schemas-microsoft-com:vml" Requires="v">
-                <p:oleObj spid="_x0000_s4107" name="文書" r:id="rId3" imgW="5397500" imgH="508000" progId="Word.Document.12">
+                <p:oleObj spid="_x0000_s4111" name="文書" r:id="rId3" imgW="5397500" imgH="508000" progId="Word.Document.12">
                   <p:embed/>
                 </p:oleObj>
               </mc:Choice>
@@ -6873,7 +6873,7 @@
           <a:graphicData uri="http://schemas.openxmlformats.org/presentationml/2006/ole">
             <mc:AlternateContent xmlns:mc="http://schemas.openxmlformats.org/markup-compatibility/2006">
               <mc:Choice xmlns:v="urn:schemas-microsoft-com:vml" Requires="v">
-                <p:oleObj spid="_x0000_s4108" name="文書" r:id="rId5" imgW="5397500" imgH="508000" progId="Word.Document.12">
+                <p:oleObj spid="_x0000_s4112" name="文書" r:id="rId5" imgW="5397500" imgH="508000" progId="Word.Document.12">
                   <p:embed/>
                 </p:oleObj>
               </mc:Choice>
@@ -7161,7 +7161,7 @@
           <a:graphicData uri="http://schemas.openxmlformats.org/presentationml/2006/ole">
             <mc:AlternateContent xmlns:mc="http://schemas.openxmlformats.org/markup-compatibility/2006">
               <mc:Choice xmlns:v="urn:schemas-microsoft-com:vml" Requires="v">
-                <p:oleObj spid="_x0000_s5131" name="文書" r:id="rId3" imgW="5397500" imgH="508000" progId="Word.Document.12">
+                <p:oleObj spid="_x0000_s5135" name="文書" r:id="rId3" imgW="5397500" imgH="508000" progId="Word.Document.12">
                   <p:embed/>
                 </p:oleObj>
               </mc:Choice>
@@ -7218,7 +7218,7 @@
           <a:graphicData uri="http://schemas.openxmlformats.org/presentationml/2006/ole">
             <mc:AlternateContent xmlns:mc="http://schemas.openxmlformats.org/markup-compatibility/2006">
               <mc:Choice xmlns:v="urn:schemas-microsoft-com:vml" Requires="v">
-                <p:oleObj spid="_x0000_s5132" name="文書" r:id="rId5" imgW="5397500" imgH="1016000" progId="Word.Document.12">
+                <p:oleObj spid="_x0000_s5136" name="文書" r:id="rId5" imgW="5397500" imgH="1016000" progId="Word.Document.12">
                   <p:embed/>
                 </p:oleObj>
               </mc:Choice>
